--- a/sprints/sprint_1.pptx
+++ b/sprints/sprint_1.pptx
@@ -280,7 +280,7 @@
               <a:pPr>
                 <a:defRPr/>
               </a:pPr>
-              <a:t>10/10/25</a:t>
+              <a:t>11-Oct-25</a:t>
             </a:fld>
             <a:endParaRPr lang="en-US"/>
           </a:p>
@@ -361,7 +361,7 @@
               <a:pPr>
                 <a:defRPr/>
               </a:pPr>
-              <a:t>‹nº›</a:t>
+              <a:t>‹#›</a:t>
             </a:fld>
             <a:endParaRPr lang="en-US"/>
           </a:p>
@@ -476,7 +476,7 @@
               <a:pPr>
                 <a:defRPr/>
               </a:pPr>
-              <a:t>10/10/25</a:t>
+              <a:t>11-Oct-25</a:t>
             </a:fld>
             <a:endParaRPr lang="en-US"/>
           </a:p>
@@ -652,7 +652,7 @@
               <a:pPr>
                 <a:defRPr/>
               </a:pPr>
-              <a:t>‹nº›</a:t>
+              <a:t>‹#›</a:t>
             </a:fld>
             <a:endParaRPr lang="en-US"/>
           </a:p>
@@ -973,17 +973,17 @@
           </a:ln>
           <a:extLst>
             <a:ext uri="{FAA26D3D-D897-4be2-8F04-BA451C77F1D7}">
-              <ma14:placeholderFlag xmlns:ma14="http://schemas.microsoft.com/office/mac/drawingml/2011/main" xmlns="" val="1"/>
+              <ma14:placeholderFlag xmlns="" xmlns:ma14="http://schemas.microsoft.com/office/mac/drawingml/2011/main" val="1"/>
             </a:ext>
             <a:ext uri="{909E8E84-426E-40dd-AFC4-6F175D3DCCD1}">
-              <a14:hiddenFill xmlns:a14="http://schemas.microsoft.com/office/drawing/2010/main" xmlns="">
+              <a14:hiddenFill xmlns="" xmlns:a14="http://schemas.microsoft.com/office/drawing/2010/main">
                 <a:solidFill>
                   <a:srgbClr val="FFFFFF"/>
                 </a:solidFill>
               </a14:hiddenFill>
             </a:ext>
             <a:ext uri="{91240B29-F687-4f45-9708-019B960494DF}">
-              <a14:hiddenLine xmlns:a14="http://schemas.microsoft.com/office/drawing/2010/main" xmlns="" w="9525">
+              <a14:hiddenLine xmlns="" xmlns:a14="http://schemas.microsoft.com/office/drawing/2010/main" w="9525">
                 <a:solidFill>
                   <a:srgbClr val="000000"/>
                 </a:solidFill>
@@ -1451,7 +1451,7 @@
               <a:pPr>
                 <a:defRPr/>
               </a:pPr>
-              <a:t>‹nº›</a:t>
+              <a:t>‹#›</a:t>
             </a:fld>
             <a:endParaRPr lang="en-US" dirty="0"/>
           </a:p>
@@ -1656,7 +1656,7 @@
               <a:pPr>
                 <a:defRPr/>
               </a:pPr>
-              <a:t>‹nº›</a:t>
+              <a:t>‹#›</a:t>
             </a:fld>
             <a:endParaRPr lang="en-US" dirty="0"/>
           </a:p>
@@ -1887,7 +1887,7 @@
               <a:pPr>
                 <a:defRPr/>
               </a:pPr>
-              <a:t>‹nº›</a:t>
+              <a:t>‹#›</a:t>
             </a:fld>
             <a:endParaRPr lang="en-US" dirty="0"/>
           </a:p>
@@ -2106,7 +2106,7 @@
               <a:pPr>
                 <a:defRPr/>
               </a:pPr>
-              <a:t>‹nº›</a:t>
+              <a:t>‹#›</a:t>
             </a:fld>
             <a:endParaRPr lang="en-US" dirty="0"/>
           </a:p>
@@ -2252,17 +2252,17 @@
           </a:ln>
           <a:extLst>
             <a:ext uri="{FAA26D3D-D897-4be2-8F04-BA451C77F1D7}">
-              <ma14:placeholderFlag xmlns:ma14="http://schemas.microsoft.com/office/mac/drawingml/2011/main" xmlns="" val="1"/>
+              <ma14:placeholderFlag xmlns="" xmlns:ma14="http://schemas.microsoft.com/office/mac/drawingml/2011/main" val="1"/>
             </a:ext>
             <a:ext uri="{909E8E84-426E-40dd-AFC4-6F175D3DCCD1}">
-              <a14:hiddenFill xmlns:a14="http://schemas.microsoft.com/office/drawing/2010/main" xmlns="">
+              <a14:hiddenFill xmlns="" xmlns:a14="http://schemas.microsoft.com/office/drawing/2010/main">
                 <a:solidFill>
                   <a:srgbClr val="FFFFFF"/>
                 </a:solidFill>
               </a14:hiddenFill>
             </a:ext>
             <a:ext uri="{91240B29-F687-4f45-9708-019B960494DF}">
-              <a14:hiddenLine xmlns:a14="http://schemas.microsoft.com/office/drawing/2010/main" xmlns="" w="9525">
+              <a14:hiddenLine xmlns="" xmlns:a14="http://schemas.microsoft.com/office/drawing/2010/main" w="9525">
                 <a:solidFill>
                   <a:srgbClr val="000000"/>
                 </a:solidFill>
@@ -2313,17 +2313,17 @@
           </a:ln>
           <a:extLst>
             <a:ext uri="{FAA26D3D-D897-4be2-8F04-BA451C77F1D7}">
-              <ma14:placeholderFlag xmlns:ma14="http://schemas.microsoft.com/office/mac/drawingml/2011/main" xmlns="" val="1"/>
+              <ma14:placeholderFlag xmlns="" xmlns:ma14="http://schemas.microsoft.com/office/mac/drawingml/2011/main" val="1"/>
             </a:ext>
             <a:ext uri="{909E8E84-426E-40dd-AFC4-6F175D3DCCD1}">
-              <a14:hiddenFill xmlns:a14="http://schemas.microsoft.com/office/drawing/2010/main" xmlns="">
+              <a14:hiddenFill xmlns="" xmlns:a14="http://schemas.microsoft.com/office/drawing/2010/main">
                 <a:solidFill>
                   <a:srgbClr val="FFFFFF"/>
                 </a:solidFill>
               </a14:hiddenFill>
             </a:ext>
             <a:ext uri="{91240B29-F687-4f45-9708-019B960494DF}">
-              <a14:hiddenLine xmlns:a14="http://schemas.microsoft.com/office/drawing/2010/main" xmlns="" w="9525">
+              <a14:hiddenLine xmlns="" xmlns:a14="http://schemas.microsoft.com/office/drawing/2010/main" w="9525">
                 <a:solidFill>
                   <a:srgbClr val="000000"/>
                 </a:solidFill>
@@ -2410,7 +2410,7 @@
               <a:pPr>
                 <a:defRPr/>
               </a:pPr>
-              <a:t>‹nº›</a:t>
+              <a:t>‹#›</a:t>
             </a:fld>
             <a:endParaRPr lang="en-US" dirty="0"/>
           </a:p>
@@ -2533,7 +2533,7 @@
           </a:ln>
           <a:extLst>
             <a:ext uri="{909E8E84-426E-40dd-AFC4-6F175D3DCCD1}">
-              <a14:hiddenFill xmlns:a14="http://schemas.microsoft.com/office/drawing/2010/main" xmlns="">
+              <a14:hiddenFill xmlns="" xmlns:a14="http://schemas.microsoft.com/office/drawing/2010/main">
                 <a:solidFill>
                   <a:srgbClr val="FFFFFF">
                     <a:alpha val="50000"/>
@@ -2542,7 +2542,7 @@
               </a14:hiddenFill>
             </a:ext>
             <a:ext uri="{91240B29-F687-4f45-9708-019B960494DF}">
-              <a14:hiddenLine xmlns:a14="http://schemas.microsoft.com/office/drawing/2010/main" xmlns="" w="9525">
+              <a14:hiddenLine xmlns="" xmlns:a14="http://schemas.microsoft.com/office/drawing/2010/main" w="9525">
                 <a:solidFill>
                   <a:srgbClr val="000000"/>
                 </a:solidFill>
@@ -3524,8 +3524,8 @@
         </p:blipFill>
         <p:spPr>
           <a:xfrm flipH="1">
-            <a:off x="7303102" y="1689904"/>
-            <a:ext cx="4981081" cy="5042685"/>
+            <a:off x="7912702" y="2035241"/>
+            <a:ext cx="4279298" cy="4332223"/>
           </a:xfrm>
           <a:prstGeom prst="rect">
             <a:avLst/>
